--- a/img/logo_facebook_icon_setting.pptx
+++ b/img/logo_facebook_icon_setting.pptx
@@ -263,7 +263,7 @@
           <a:p>
             <a:fld id="{836BDC8C-8024-49A1-9AC3-983AC2202E0A}" type="datetimeFigureOut">
               <a:rPr lang="ko-KR" altLang="en-US" smtClean="0"/>
-              <a:t>2020-04-08</a:t>
+              <a:t>2020-04-13</a:t>
             </a:fld>
             <a:endParaRPr lang="ko-KR" altLang="en-US"/>
           </a:p>
@@ -461,7 +461,7 @@
           <a:p>
             <a:fld id="{836BDC8C-8024-49A1-9AC3-983AC2202E0A}" type="datetimeFigureOut">
               <a:rPr lang="ko-KR" altLang="en-US" smtClean="0"/>
-              <a:t>2020-04-08</a:t>
+              <a:t>2020-04-13</a:t>
             </a:fld>
             <a:endParaRPr lang="ko-KR" altLang="en-US"/>
           </a:p>
@@ -669,7 +669,7 @@
           <a:p>
             <a:fld id="{836BDC8C-8024-49A1-9AC3-983AC2202E0A}" type="datetimeFigureOut">
               <a:rPr lang="ko-KR" altLang="en-US" smtClean="0"/>
-              <a:t>2020-04-08</a:t>
+              <a:t>2020-04-13</a:t>
             </a:fld>
             <a:endParaRPr lang="ko-KR" altLang="en-US"/>
           </a:p>
@@ -867,7 +867,7 @@
           <a:p>
             <a:fld id="{836BDC8C-8024-49A1-9AC3-983AC2202E0A}" type="datetimeFigureOut">
               <a:rPr lang="ko-KR" altLang="en-US" smtClean="0"/>
-              <a:t>2020-04-08</a:t>
+              <a:t>2020-04-13</a:t>
             </a:fld>
             <a:endParaRPr lang="ko-KR" altLang="en-US"/>
           </a:p>
@@ -1142,7 +1142,7 @@
           <a:p>
             <a:fld id="{836BDC8C-8024-49A1-9AC3-983AC2202E0A}" type="datetimeFigureOut">
               <a:rPr lang="ko-KR" altLang="en-US" smtClean="0"/>
-              <a:t>2020-04-08</a:t>
+              <a:t>2020-04-13</a:t>
             </a:fld>
             <a:endParaRPr lang="ko-KR" altLang="en-US"/>
           </a:p>
@@ -1407,7 +1407,7 @@
           <a:p>
             <a:fld id="{836BDC8C-8024-49A1-9AC3-983AC2202E0A}" type="datetimeFigureOut">
               <a:rPr lang="ko-KR" altLang="en-US" smtClean="0"/>
-              <a:t>2020-04-08</a:t>
+              <a:t>2020-04-13</a:t>
             </a:fld>
             <a:endParaRPr lang="ko-KR" altLang="en-US"/>
           </a:p>
@@ -1819,7 +1819,7 @@
           <a:p>
             <a:fld id="{836BDC8C-8024-49A1-9AC3-983AC2202E0A}" type="datetimeFigureOut">
               <a:rPr lang="ko-KR" altLang="en-US" smtClean="0"/>
-              <a:t>2020-04-08</a:t>
+              <a:t>2020-04-13</a:t>
             </a:fld>
             <a:endParaRPr lang="ko-KR" altLang="en-US"/>
           </a:p>
@@ -1960,7 +1960,7 @@
           <a:p>
             <a:fld id="{836BDC8C-8024-49A1-9AC3-983AC2202E0A}" type="datetimeFigureOut">
               <a:rPr lang="ko-KR" altLang="en-US" smtClean="0"/>
-              <a:t>2020-04-08</a:t>
+              <a:t>2020-04-13</a:t>
             </a:fld>
             <a:endParaRPr lang="ko-KR" altLang="en-US"/>
           </a:p>
@@ -2073,7 +2073,7 @@
           <a:p>
             <a:fld id="{836BDC8C-8024-49A1-9AC3-983AC2202E0A}" type="datetimeFigureOut">
               <a:rPr lang="ko-KR" altLang="en-US" smtClean="0"/>
-              <a:t>2020-04-08</a:t>
+              <a:t>2020-04-13</a:t>
             </a:fld>
             <a:endParaRPr lang="ko-KR" altLang="en-US"/>
           </a:p>
@@ -2384,7 +2384,7 @@
           <a:p>
             <a:fld id="{836BDC8C-8024-49A1-9AC3-983AC2202E0A}" type="datetimeFigureOut">
               <a:rPr lang="ko-KR" altLang="en-US" smtClean="0"/>
-              <a:t>2020-04-08</a:t>
+              <a:t>2020-04-13</a:t>
             </a:fld>
             <a:endParaRPr lang="ko-KR" altLang="en-US"/>
           </a:p>
@@ -2672,7 +2672,7 @@
           <a:p>
             <a:fld id="{836BDC8C-8024-49A1-9AC3-983AC2202E0A}" type="datetimeFigureOut">
               <a:rPr lang="ko-KR" altLang="en-US" smtClean="0"/>
-              <a:t>2020-04-08</a:t>
+              <a:t>2020-04-13</a:t>
             </a:fld>
             <a:endParaRPr lang="ko-KR" altLang="en-US"/>
           </a:p>
@@ -2913,7 +2913,7 @@
           <a:p>
             <a:fld id="{836BDC8C-8024-49A1-9AC3-983AC2202E0A}" type="datetimeFigureOut">
               <a:rPr lang="ko-KR" altLang="en-US" smtClean="0"/>
-              <a:t>2020-04-08</a:t>
+              <a:t>2020-04-13</a:t>
             </a:fld>
             <a:endParaRPr lang="ko-KR" altLang="en-US"/>
           </a:p>
@@ -9486,10 +9486,10 @@
       </p:grpSp>
       <p:grpSp>
         <p:nvGrpSpPr>
-          <p:cNvPr id="35" name="그룹 34">
+          <p:cNvPr id="3" name="그룹 2">
             <a:extLst>
               <a:ext uri="{FF2B5EF4-FFF2-40B4-BE49-F238E27FC236}">
-                <a16:creationId xmlns:a16="http://schemas.microsoft.com/office/drawing/2014/main" id="{CA60AA4C-517B-4C16-A909-DAEB7C95B1CD}"/>
+                <a16:creationId xmlns:a16="http://schemas.microsoft.com/office/drawing/2014/main" id="{8EA896A0-D14C-4729-8A2A-FDBC5CBD3218}"/>
               </a:ext>
             </a:extLst>
           </p:cNvPr>
@@ -9636,6 +9636,198 @@
             <a:xfrm>
               <a:off x="1211245" y="3940035"/>
               <a:ext cx="1031199" cy="944964"/>
+            </a:xfrm>
+            <a:prstGeom prst="rect">
+              <a:avLst/>
+            </a:prstGeom>
+            <a:noFill/>
+            <a:ln w="28575">
+              <a:noFill/>
+            </a:ln>
+          </p:spPr>
+          <p:style>
+            <a:lnRef idx="2">
+              <a:schemeClr val="accent1">
+                <a:shade val="50000"/>
+              </a:schemeClr>
+            </a:lnRef>
+            <a:fillRef idx="1">
+              <a:schemeClr val="accent1"/>
+            </a:fillRef>
+            <a:effectRef idx="0">
+              <a:schemeClr val="accent1"/>
+            </a:effectRef>
+            <a:fontRef idx="minor">
+              <a:schemeClr val="lt1"/>
+            </a:fontRef>
+          </p:style>
+          <p:txBody>
+            <a:bodyPr rot="0" spcFirstLastPara="0" vertOverflow="overflow" horzOverflow="overflow" vert="horz" wrap="square" lIns="91440" tIns="45720" rIns="91440" bIns="45720" numCol="1" spcCol="0" rtlCol="0" fromWordArt="0" anchor="ctr" anchorCtr="0" forceAA="0" compatLnSpc="1">
+              <a:prstTxWarp prst="textNoShape">
+                <a:avLst/>
+              </a:prstTxWarp>
+              <a:noAutofit/>
+            </a:bodyPr>
+            <a:lstStyle/>
+            <a:p>
+              <a:pPr algn="ctr"/>
+              <a:endParaRPr lang="ko-KR" altLang="en-US" dirty="0"/>
+            </a:p>
+          </p:txBody>
+        </p:sp>
+      </p:grpSp>
+      <p:grpSp>
+        <p:nvGrpSpPr>
+          <p:cNvPr id="4" name="그룹 3">
+            <a:extLst>
+              <a:ext uri="{FF2B5EF4-FFF2-40B4-BE49-F238E27FC236}">
+                <a16:creationId xmlns:a16="http://schemas.microsoft.com/office/drawing/2014/main" id="{30745288-854A-4D99-86C4-D4A2B147967E}"/>
+              </a:ext>
+            </a:extLst>
+          </p:cNvPr>
+          <p:cNvGrpSpPr/>
+          <p:nvPr/>
+        </p:nvGrpSpPr>
+        <p:grpSpPr>
+          <a:xfrm>
+            <a:off x="4877535" y="1853331"/>
+            <a:ext cx="1031199" cy="1029600"/>
+            <a:chOff x="4877535" y="1853331"/>
+            <a:chExt cx="1031199" cy="1029600"/>
+          </a:xfrm>
+        </p:grpSpPr>
+        <p:sp>
+          <p:nvSpPr>
+            <p:cNvPr id="25" name="자유형: 도형 24">
+              <a:extLst>
+                <a:ext uri="{FF2B5EF4-FFF2-40B4-BE49-F238E27FC236}">
+                  <a16:creationId xmlns:a16="http://schemas.microsoft.com/office/drawing/2014/main" id="{731F7C57-4E12-42AE-B3CD-BB0C7A7FB23E}"/>
+                </a:ext>
+              </a:extLst>
+            </p:cNvPr>
+            <p:cNvSpPr/>
+            <p:nvPr/>
+          </p:nvSpPr>
+          <p:spPr>
+            <a:xfrm>
+              <a:off x="4943134" y="1918131"/>
+              <a:ext cx="900000" cy="900000"/>
+            </a:xfrm>
+            <a:custGeom>
+              <a:avLst/>
+              <a:gdLst>
+                <a:gd name="connsiteX0" fmla="*/ 0 w 594360"/>
+                <a:gd name="connsiteY0" fmla="*/ 3810 h 689610"/>
+                <a:gd name="connsiteX1" fmla="*/ 0 w 594360"/>
+                <a:gd name="connsiteY1" fmla="*/ 689610 h 689610"/>
+                <a:gd name="connsiteX2" fmla="*/ 300990 w 594360"/>
+                <a:gd name="connsiteY2" fmla="*/ 392430 h 689610"/>
+                <a:gd name="connsiteX3" fmla="*/ 594360 w 594360"/>
+                <a:gd name="connsiteY3" fmla="*/ 685800 h 689610"/>
+                <a:gd name="connsiteX4" fmla="*/ 594360 w 594360"/>
+                <a:gd name="connsiteY4" fmla="*/ 0 h 689610"/>
+                <a:gd name="connsiteX5" fmla="*/ 0 w 594360"/>
+                <a:gd name="connsiteY5" fmla="*/ 3810 h 689610"/>
+              </a:gdLst>
+              <a:ahLst/>
+              <a:cxnLst>
+                <a:cxn ang="0">
+                  <a:pos x="connsiteX0" y="connsiteY0"/>
+                </a:cxn>
+                <a:cxn ang="0">
+                  <a:pos x="connsiteX1" y="connsiteY1"/>
+                </a:cxn>
+                <a:cxn ang="0">
+                  <a:pos x="connsiteX2" y="connsiteY2"/>
+                </a:cxn>
+                <a:cxn ang="0">
+                  <a:pos x="connsiteX3" y="connsiteY3"/>
+                </a:cxn>
+                <a:cxn ang="0">
+                  <a:pos x="connsiteX4" y="connsiteY4"/>
+                </a:cxn>
+                <a:cxn ang="0">
+                  <a:pos x="connsiteX5" y="connsiteY5"/>
+                </a:cxn>
+              </a:cxnLst>
+              <a:rect l="l" t="t" r="r" b="b"/>
+              <a:pathLst>
+                <a:path w="594360" h="689610">
+                  <a:moveTo>
+                    <a:pt x="0" y="3810"/>
+                  </a:moveTo>
+                  <a:lnTo>
+                    <a:pt x="0" y="689610"/>
+                  </a:lnTo>
+                  <a:lnTo>
+                    <a:pt x="300990" y="392430"/>
+                  </a:lnTo>
+                  <a:lnTo>
+                    <a:pt x="594360" y="685800"/>
+                  </a:lnTo>
+                  <a:lnTo>
+                    <a:pt x="594360" y="0"/>
+                  </a:lnTo>
+                  <a:lnTo>
+                    <a:pt x="0" y="3810"/>
+                  </a:lnTo>
+                  <a:close/>
+                </a:path>
+              </a:pathLst>
+            </a:custGeom>
+            <a:noFill/>
+            <a:ln w="76200">
+              <a:solidFill>
+                <a:srgbClr val="262626"/>
+              </a:solidFill>
+            </a:ln>
+          </p:spPr>
+          <p:style>
+            <a:lnRef idx="2">
+              <a:schemeClr val="accent1">
+                <a:shade val="50000"/>
+              </a:schemeClr>
+            </a:lnRef>
+            <a:fillRef idx="1">
+              <a:schemeClr val="accent1"/>
+            </a:fillRef>
+            <a:effectRef idx="0">
+              <a:schemeClr val="accent1"/>
+            </a:effectRef>
+            <a:fontRef idx="minor">
+              <a:schemeClr val="lt1"/>
+            </a:fontRef>
+          </p:style>
+          <p:txBody>
+            <a:bodyPr rot="0" spcFirstLastPara="0" vertOverflow="overflow" horzOverflow="overflow" vert="horz" wrap="square" lIns="91440" tIns="45720" rIns="91440" bIns="45720" numCol="1" spcCol="0" rtlCol="0" fromWordArt="0" anchor="ctr" anchorCtr="0" forceAA="0" compatLnSpc="1">
+              <a:prstTxWarp prst="textNoShape">
+                <a:avLst/>
+              </a:prstTxWarp>
+              <a:noAutofit/>
+            </a:bodyPr>
+            <a:lstStyle/>
+            <a:p>
+              <a:pPr algn="ctr"/>
+              <a:endParaRPr lang="ko-KR" altLang="en-US"/>
+            </a:p>
+          </p:txBody>
+        </p:sp>
+        <p:sp>
+          <p:nvSpPr>
+            <p:cNvPr id="27" name="직사각형 26">
+              <a:extLst>
+                <a:ext uri="{FF2B5EF4-FFF2-40B4-BE49-F238E27FC236}">
+                  <a16:creationId xmlns:a16="http://schemas.microsoft.com/office/drawing/2014/main" id="{4E5AB4CB-9B15-4F9B-AFEA-39DEB07318CB}"/>
+                </a:ext>
+              </a:extLst>
+            </p:cNvPr>
+            <p:cNvSpPr/>
+            <p:nvPr/>
+          </p:nvSpPr>
+          <p:spPr>
+            <a:xfrm>
+              <a:off x="4877535" y="1853331"/>
+              <a:ext cx="1031199" cy="1029600"/>
             </a:xfrm>
             <a:prstGeom prst="rect">
               <a:avLst/>
